--- a/docs/TA - Docker training.pptx
+++ b/docs/TA - Docker training.pptx
@@ -12863,7 +12863,7 @@
             </a:pPr>
             <a:r>
               <a:rPr lang="en"/>
-              <a:t>Containers help mitigate the “</a:t>
+              <a:t>Containers help mitigate the "</a:t>
             </a:r>
             <a:r>
               <a:rPr i="1" lang="en"/>
@@ -12871,7 +12871,7 @@
             </a:r>
             <a:r>
               <a:rPr lang="en"/>
-              <a:t>” effect and ease the transition between different environments, such as development, staging and production.</a:t>
+              <a:t>" effect and ease the transition between different environments, such as development, staging and production.</a:t>
             </a:r>
           </a:p>
           <a:p>
@@ -14314,7 +14314,7 @@
             <a:tbl>
               <a:tblPr>
                 <a:noFill/>
-                <a:tableStyleId>{12EBDA5D-BA4F-4B79-904C-66E370F2FE56}</a:tableStyleId>
+                <a:tableStyleId>{0F6D019B-8E70-45D5-B56C-15EB262D91BE}</a:tableStyleId>
               </a:tblPr>
               <a:tblGrid>
                 <a:gridCol w="1809750"/>
@@ -16627,7 +16627,7 @@
             </a:pPr>
             <a:r>
               <a:rPr lang="en"/>
-              <a:t>To see the logs in “real-time”, append the </a:t>
+              <a:t>To see the logs in "real-time", append the </a:t>
             </a:r>
             <a:r>
               <a:rPr lang="en">
@@ -24759,7 +24759,7 @@
                 <a:cs typeface="Consolas"/>
                 <a:sym typeface="Consolas"/>
               </a:rPr>
-              <a:t>CMD [“java”, “-jar”, “/tcp-echo-server.jar”]</a:t>
+              <a:t>CMD ["java", "-jar", "/tcp-echo-server.jar"]</a:t>
             </a:r>
           </a:p>
         </p:txBody>
@@ -27006,7 +27006,36 @@
             </a:r>
             <a:r>
               <a:rPr lang="en"/>
-              <a:t> instruction allows us to achieve that. Let’s edit our </a:t>
+              <a:t> instruction allows us to achieve that. Let’s checkout the 0.2 tag</a:t>
+            </a:r>
+          </a:p>
+          <a:p>
+            <a:pPr lvl="0">
+              <a:spcBef>
+                <a:spcPts val="0"/>
+              </a:spcBef>
+              <a:buNone/>
+            </a:pPr>
+            <a:r>
+              <a:rPr lang="en">
+                <a:latin typeface="Consolas"/>
+                <a:ea typeface="Consolas"/>
+                <a:cs typeface="Consolas"/>
+                <a:sym typeface="Consolas"/>
+              </a:rPr>
+              <a:t>$ git checkout 0.2</a:t>
+            </a:r>
+          </a:p>
+          <a:p>
+            <a:pPr lvl="0">
+              <a:spcBef>
+                <a:spcPts val="0"/>
+              </a:spcBef>
+              <a:buNone/>
+            </a:pPr>
+            <a:r>
+              <a:rPr lang="en"/>
+              <a:t>and edit our </a:t>
             </a:r>
             <a:r>
               <a:rPr lang="en">
@@ -27030,7 +27059,11 @@
             </a:pPr>
             <a:r>
               <a:rPr lang="en"/>
-              <a:t>Remove the </a:t>
+              <a:t>R</a:t>
+            </a:r>
+            <a:r>
+              <a:rPr lang="en"/>
+              <a:t>emove the </a:t>
             </a:r>
             <a:r>
               <a:rPr lang="en">
@@ -27069,7 +27102,15 @@
             </a:r>
             <a:r>
               <a:rPr lang="en"/>
-              <a:t> and </a:t>
+              <a:t> </a:t>
+            </a:r>
+            <a:r>
+              <a:rPr lang="en"/>
+              <a:t>and</a:t>
+            </a:r>
+            <a:r>
+              <a:rPr lang="en"/>
+              <a:t> </a:t>
             </a:r>
             <a:r>
               <a:rPr lang="en">
@@ -27954,7 +27995,7 @@
                 <a:cs typeface="Consolas"/>
                 <a:sym typeface="Consolas"/>
               </a:rPr>
-              <a:t>    -v “$(pwd)/example/:/etc/tcp-echo-server/:ro” \</a:t>
+              <a:t>    -v "$(pwd)/example/:/etc/tcp-echo-server/:ro" \</a:t>
             </a:r>
           </a:p>
           <a:p>
@@ -28330,7 +28371,7 @@
                 <a:cs typeface="Consolas"/>
                 <a:sym typeface="Consolas"/>
               </a:rPr>
-              <a:t>    -v “$(pwd)/example/:/etc/tcp-echo-server/:ro” \</a:t>
+              <a:t>    -v "$(pwd)/example/:/etc/tcp-echo-server/:ro" \</a:t>
             </a:r>
           </a:p>
           <a:p>
@@ -28630,7 +28671,7 @@
                 <a:cs typeface="Consolas"/>
                 <a:sym typeface="Consolas"/>
               </a:rPr>
-              <a:t>900MB</a:t>
+              <a:t>933MB</a:t>
             </a:r>
           </a:p>
           <a:p>
@@ -28662,7 +28703,7 @@
                 <a:cs typeface="Consolas"/>
                 <a:sym typeface="Consolas"/>
               </a:rPr>
-              <a:t>900MB</a:t>
+              <a:t>932MB</a:t>
             </a:r>
           </a:p>
           <a:p>
@@ -28697,7 +28738,7 @@
             </a:pPr>
             <a:r>
               <a:rPr lang="en"/>
-              <a:t>Our images are </a:t>
+              <a:t>Our images are about </a:t>
             </a:r>
             <a:r>
               <a:rPr b="1" lang="en">
@@ -28706,7 +28747,7 @@
                 <a:cs typeface="Consolas"/>
                 <a:sym typeface="Consolas"/>
               </a:rPr>
-              <a:t>900MB</a:t>
+              <a:t>933MB</a:t>
             </a:r>
             <a:r>
               <a:rPr lang="en"/>
@@ -28893,7 +28934,7 @@
             </a:pPr>
             <a:r>
               <a:rPr lang="en"/>
-              <a:t>We did not clean leftovers after the build. There is “garbage” at </a:t>
+              <a:t>We did not clean leftovers after the build. There is "garbage" at </a:t>
             </a:r>
             <a:r>
               <a:rPr lang="en">
@@ -30162,7 +30203,7 @@
                 <a:cs typeface="Consolas"/>
                 <a:sym typeface="Consolas"/>
               </a:rPr>
-              <a:t>VOLUME [“/etc/tcp-echo-server”]</a:t>
+              <a:t>VOLUME ["/etc/tcp-echo-server"]</a:t>
             </a:r>
             <a:br>
               <a:rPr lang="en" sz="1200">
@@ -30368,7 +30409,7 @@
                 <a:cs typeface="Consolas"/>
                 <a:sym typeface="Consolas"/>
               </a:rPr>
-              <a:t>tcp-echo-server            0.2                 5e727794ee8d        About an hour ago   900MB</a:t>
+              <a:t>tcp-echo-server            0.2                 5e727794ee8d        About an hour ago   933MB</a:t>
             </a:r>
             <a:br>
               <a:rPr lang="en" sz="1200">
@@ -30385,7 +30426,7 @@
                 <a:cs typeface="Consolas"/>
                 <a:sym typeface="Consolas"/>
               </a:rPr>
-              <a:t>tcp-echo-server            0.1                 b19890e12c59        About an hour ago   900MB</a:t>
+              <a:t>tcp-echo-server            0.1                 b19890e12c59        About an hour ago   932MB</a:t>
             </a:r>
             <a:br>
               <a:rPr lang="en" sz="1200">
@@ -30453,7 +30494,7 @@
             </a:r>
             <a:r>
               <a:rPr lang="en"/>
-              <a:t> in size — that’s about 10% of the original size! Also notice the difference between the size of the base image for the last stage (</a:t>
+              <a:t> in size — that’s less than 10% of the original size! Also notice the difference between the size of the base image for the last stage (</a:t>
             </a:r>
             <a:r>
               <a:rPr b="1" lang="en">
@@ -33190,7 +33231,7 @@
             <a:tbl>
               <a:tblPr>
                 <a:noFill/>
-                <a:tableStyleId>{12EBDA5D-BA4F-4B79-904C-66E370F2FE56}</a:tableStyleId>
+                <a:tableStyleId>{0F6D019B-8E70-45D5-B56C-15EB262D91BE}</a:tableStyleId>
               </a:tblPr>
               <a:tblGrid>
                 <a:gridCol w="1809750"/>
